--- a/LiceoContextual/taller_rob.pptx
+++ b/LiceoContextual/taller_rob.pptx
@@ -207,14 +207,6 @@
           <pc:docMk/>
           <pc:sldMk cId="3405084184" sldId="256"/>
         </pc:sldMkLst>
-        <pc:spChg chg="mod">
-          <ac:chgData name="Castiello de Obeso, Santiago" userId="b4fc0b8e-1f0e-417a-8aad-015961d2398a" providerId="ADAL" clId="{8CB40BA0-C2B8-4601-8C06-CFD421284BF1}" dt="2025-01-18T16:17:49.345" v="9" actId="6549"/>
-          <ac:spMkLst>
-            <pc:docMk/>
-            <pc:sldMk cId="3405084184" sldId="256"/>
-            <ac:spMk id="8" creationId="{3D3A654C-98A9-40A6-BCA9-6C6E2E2CEC75}"/>
-          </ac:spMkLst>
-        </pc:spChg>
       </pc:sldChg>
       <pc:sldChg chg="ord">
         <pc:chgData name="Castiello de Obeso, Santiago" userId="b4fc0b8e-1f0e-417a-8aad-015961d2398a" providerId="ADAL" clId="{8CB40BA0-C2B8-4601-8C06-CFD421284BF1}" dt="2024-11-30T16:35:30.529" v="1"/>
@@ -2347,6 +2339,30 @@
           <pc:docMk/>
           <pc:sldMk cId="2571077277" sldId="668"/>
         </pc:sldMkLst>
+      </pc:sldChg>
+    </pc:docChg>
+  </pc:docChgLst>
+  <pc:docChgLst>
+    <pc:chgData name="Castiello de Obeso, Santiago" userId="b4fc0b8e-1f0e-417a-8aad-015961d2398a" providerId="ADAL" clId="{B30D07D9-8BCC-47D1-9208-19899604CE36}"/>
+    <pc:docChg chg="modSld">
+      <pc:chgData name="Castiello de Obeso, Santiago" userId="b4fc0b8e-1f0e-417a-8aad-015961d2398a" providerId="ADAL" clId="{B30D07D9-8BCC-47D1-9208-19899604CE36}" dt="2025-06-14T13:54:22.099" v="7" actId="6549"/>
+      <pc:docMkLst>
+        <pc:docMk/>
+      </pc:docMkLst>
+      <pc:sldChg chg="modSp mod">
+        <pc:chgData name="Castiello de Obeso, Santiago" userId="b4fc0b8e-1f0e-417a-8aad-015961d2398a" providerId="ADAL" clId="{B30D07D9-8BCC-47D1-9208-19899604CE36}" dt="2025-06-14T13:54:22.099" v="7" actId="6549"/>
+        <pc:sldMkLst>
+          <pc:docMk/>
+          <pc:sldMk cId="3405084184" sldId="256"/>
+        </pc:sldMkLst>
+        <pc:spChg chg="mod">
+          <ac:chgData name="Castiello de Obeso, Santiago" userId="b4fc0b8e-1f0e-417a-8aad-015961d2398a" providerId="ADAL" clId="{B30D07D9-8BCC-47D1-9208-19899604CE36}" dt="2025-06-14T13:54:22.099" v="7" actId="6549"/>
+          <ac:spMkLst>
+            <pc:docMk/>
+            <pc:sldMk cId="3405084184" sldId="256"/>
+            <ac:spMk id="8" creationId="{3D3A654C-98A9-40A6-BCA9-6C6E2E2CEC75}"/>
+          </ac:spMkLst>
+        </pc:spChg>
       </pc:sldChg>
     </pc:docChg>
   </pc:docChgLst>
@@ -2435,7 +2451,7 @@
           <a:p>
             <a:fld id="{915EF737-7D08-41F1-8E81-629EB7438791}" type="datetimeFigureOut">
               <a:rPr lang="en-US" smtClean="0"/>
-              <a:t>1/18/2025</a:t>
+              <a:t>6/14/2025</a:t>
             </a:fld>
             <a:endParaRPr lang="en-US"/>
           </a:p>
@@ -2915,7 +2931,7 @@
           <a:p>
             <a:fld id="{401857E1-268D-4A19-81B1-DBBE8B3C9127}" type="datetimeFigureOut">
               <a:rPr lang="en-US" smtClean="0"/>
-              <a:t>1/18/2025</a:t>
+              <a:t>6/14/2025</a:t>
             </a:fld>
             <a:endParaRPr lang="en-US"/>
           </a:p>
@@ -3083,7 +3099,7 @@
           <a:p>
             <a:fld id="{401857E1-268D-4A19-81B1-DBBE8B3C9127}" type="datetimeFigureOut">
               <a:rPr lang="en-US" smtClean="0"/>
-              <a:t>1/18/2025</a:t>
+              <a:t>6/14/2025</a:t>
             </a:fld>
             <a:endParaRPr lang="en-US"/>
           </a:p>
@@ -3261,7 +3277,7 @@
           <a:p>
             <a:fld id="{401857E1-268D-4A19-81B1-DBBE8B3C9127}" type="datetimeFigureOut">
               <a:rPr lang="en-US" smtClean="0"/>
-              <a:t>1/18/2025</a:t>
+              <a:t>6/14/2025</a:t>
             </a:fld>
             <a:endParaRPr lang="en-US"/>
           </a:p>
@@ -3429,7 +3445,7 @@
           <a:p>
             <a:fld id="{401857E1-268D-4A19-81B1-DBBE8B3C9127}" type="datetimeFigureOut">
               <a:rPr lang="en-US" smtClean="0"/>
-              <a:t>1/18/2025</a:t>
+              <a:t>6/14/2025</a:t>
             </a:fld>
             <a:endParaRPr lang="en-US"/>
           </a:p>
@@ -3674,7 +3690,7 @@
           <a:p>
             <a:fld id="{401857E1-268D-4A19-81B1-DBBE8B3C9127}" type="datetimeFigureOut">
               <a:rPr lang="en-US" smtClean="0"/>
-              <a:t>1/18/2025</a:t>
+              <a:t>6/14/2025</a:t>
             </a:fld>
             <a:endParaRPr lang="en-US"/>
           </a:p>
@@ -3903,7 +3919,7 @@
           <a:p>
             <a:fld id="{401857E1-268D-4A19-81B1-DBBE8B3C9127}" type="datetimeFigureOut">
               <a:rPr lang="en-US" smtClean="0"/>
-              <a:t>1/18/2025</a:t>
+              <a:t>6/14/2025</a:t>
             </a:fld>
             <a:endParaRPr lang="en-US"/>
           </a:p>
@@ -4267,7 +4283,7 @@
           <a:p>
             <a:fld id="{401857E1-268D-4A19-81B1-DBBE8B3C9127}" type="datetimeFigureOut">
               <a:rPr lang="en-US" smtClean="0"/>
-              <a:t>1/18/2025</a:t>
+              <a:t>6/14/2025</a:t>
             </a:fld>
             <a:endParaRPr lang="en-US"/>
           </a:p>
@@ -4384,7 +4400,7 @@
           <a:p>
             <a:fld id="{401857E1-268D-4A19-81B1-DBBE8B3C9127}" type="datetimeFigureOut">
               <a:rPr lang="en-US" smtClean="0"/>
-              <a:t>1/18/2025</a:t>
+              <a:t>6/14/2025</a:t>
             </a:fld>
             <a:endParaRPr lang="en-US"/>
           </a:p>
@@ -4479,7 +4495,7 @@
           <a:p>
             <a:fld id="{401857E1-268D-4A19-81B1-DBBE8B3C9127}" type="datetimeFigureOut">
               <a:rPr lang="en-US" smtClean="0"/>
-              <a:t>1/18/2025</a:t>
+              <a:t>6/14/2025</a:t>
             </a:fld>
             <a:endParaRPr lang="en-US"/>
           </a:p>
@@ -4754,7 +4770,7 @@
           <a:p>
             <a:fld id="{401857E1-268D-4A19-81B1-DBBE8B3C9127}" type="datetimeFigureOut">
               <a:rPr lang="en-US" smtClean="0"/>
-              <a:t>1/18/2025</a:t>
+              <a:t>6/14/2025</a:t>
             </a:fld>
             <a:endParaRPr lang="en-US"/>
           </a:p>
@@ -5006,7 +5022,7 @@
           <a:p>
             <a:fld id="{401857E1-268D-4A19-81B1-DBBE8B3C9127}" type="datetimeFigureOut">
               <a:rPr lang="en-US" smtClean="0"/>
-              <a:t>1/18/2025</a:t>
+              <a:t>6/14/2025</a:t>
             </a:fld>
             <a:endParaRPr lang="en-US"/>
           </a:p>
@@ -5217,7 +5233,7 @@
           <a:p>
             <a:fld id="{401857E1-268D-4A19-81B1-DBBE8B3C9127}" type="datetimeFigureOut">
               <a:rPr lang="en-US" smtClean="0"/>
-              <a:t>1/18/2025</a:t>
+              <a:t>6/14/2025</a:t>
             </a:fld>
             <a:endParaRPr lang="en-US"/>
           </a:p>
@@ -5764,7 +5780,7 @@
                   <a:schemeClr val="bg1"/>
                 </a:solidFill>
               </a:rPr>
-              <a:t>18/01/2025</a:t>
+              <a:t>14/06/2025</a:t>
             </a:r>
           </a:p>
           <a:p>

--- a/LiceoContextual/taller_rob.pptx
+++ b/LiceoContextual/taller_rob.pptx
@@ -5,13 +5,14 @@
     <p:sldMasterId id="2147483725" r:id="rId1"/>
   </p:sldMasterIdLst>
   <p:notesMasterIdLst>
-    <p:notesMasterId r:id="rId6"/>
+    <p:notesMasterId r:id="rId7"/>
   </p:notesMasterIdLst>
   <p:sldIdLst>
     <p:sldId id="256" r:id="rId2"/>
     <p:sldId id="508" r:id="rId3"/>
     <p:sldId id="666" r:id="rId4"/>
-    <p:sldId id="358" r:id="rId5"/>
+    <p:sldId id="667" r:id="rId5"/>
+    <p:sldId id="358" r:id="rId6"/>
   </p:sldIdLst>
   <p:sldSz cx="12192000" cy="6858000"/>
   <p:notesSz cx="6858000" cy="9144000"/>
@@ -118,6 +119,14 @@
 </p:presentation>
 </file>
 
+<file path=ppt/revisionInfo.xml><?xml version="1.0" encoding="utf-8"?>
+<p1510:revInfo xmlns:a="http://schemas.openxmlformats.org/drawingml/2006/main" xmlns:r="http://schemas.openxmlformats.org/officeDocument/2006/relationships" xmlns:p1510="http://schemas.microsoft.com/office/powerpoint/2015/10/main">
+  <p1510:revLst>
+    <p1510:client id="{B30D07D9-8BCC-47D1-9208-19899604CE36}" v="2" dt="2025-06-21T14:04:50.191"/>
+  </p1510:revLst>
+</p1510:revInfo>
+</file>
+
 <file path=ppt/changesInfos/changesInfo1.xml><?xml version="1.0" encoding="utf-8"?>
 <pc:chgInfo xmlns:a="http://schemas.openxmlformats.org/drawingml/2006/main" xmlns:r="http://schemas.openxmlformats.org/officeDocument/2006/relationships" xmlns:ac="http://schemas.microsoft.com/office/drawing/2013/main/command" xmlns:pc="http://schemas.microsoft.com/office/powerpoint/2013/main/command">
   <pc:docChgLst>
@@ -2344,25 +2353,62 @@
   </pc:docChgLst>
   <pc:docChgLst>
     <pc:chgData name="Castiello de Obeso, Santiago" userId="b4fc0b8e-1f0e-417a-8aad-015961d2398a" providerId="ADAL" clId="{B30D07D9-8BCC-47D1-9208-19899604CE36}"/>
-    <pc:docChg chg="modSld">
-      <pc:chgData name="Castiello de Obeso, Santiago" userId="b4fc0b8e-1f0e-417a-8aad-015961d2398a" providerId="ADAL" clId="{B30D07D9-8BCC-47D1-9208-19899604CE36}" dt="2025-06-14T13:54:22.099" v="7" actId="6549"/>
+    <pc:docChg chg="addSld modSld">
+      <pc:chgData name="Castiello de Obeso, Santiago" userId="b4fc0b8e-1f0e-417a-8aad-015961d2398a" providerId="ADAL" clId="{B30D07D9-8BCC-47D1-9208-19899604CE36}" dt="2025-06-21T14:07:29.455" v="27" actId="20577"/>
       <pc:docMkLst>
         <pc:docMk/>
       </pc:docMkLst>
       <pc:sldChg chg="modSp mod">
-        <pc:chgData name="Castiello de Obeso, Santiago" userId="b4fc0b8e-1f0e-417a-8aad-015961d2398a" providerId="ADAL" clId="{B30D07D9-8BCC-47D1-9208-19899604CE36}" dt="2025-06-14T13:54:22.099" v="7" actId="6549"/>
+        <pc:chgData name="Castiello de Obeso, Santiago" userId="b4fc0b8e-1f0e-417a-8aad-015961d2398a" providerId="ADAL" clId="{B30D07D9-8BCC-47D1-9208-19899604CE36}" dt="2025-06-21T13:53:50.493" v="11" actId="20577"/>
         <pc:sldMkLst>
           <pc:docMk/>
           <pc:sldMk cId="3405084184" sldId="256"/>
         </pc:sldMkLst>
         <pc:spChg chg="mod">
-          <ac:chgData name="Castiello de Obeso, Santiago" userId="b4fc0b8e-1f0e-417a-8aad-015961d2398a" providerId="ADAL" clId="{B30D07D9-8BCC-47D1-9208-19899604CE36}" dt="2025-06-14T13:54:22.099" v="7" actId="6549"/>
+          <ac:chgData name="Castiello de Obeso, Santiago" userId="b4fc0b8e-1f0e-417a-8aad-015961d2398a" providerId="ADAL" clId="{B30D07D9-8BCC-47D1-9208-19899604CE36}" dt="2025-06-21T13:53:50.493" v="11" actId="20577"/>
           <ac:spMkLst>
             <pc:docMk/>
             <pc:sldMk cId="3405084184" sldId="256"/>
             <ac:spMk id="8" creationId="{3D3A654C-98A9-40A6-BCA9-6C6E2E2CEC75}"/>
           </ac:spMkLst>
         </pc:spChg>
+      </pc:sldChg>
+      <pc:sldChg chg="modSp mod">
+        <pc:chgData name="Castiello de Obeso, Santiago" userId="b4fc0b8e-1f0e-417a-8aad-015961d2398a" providerId="ADAL" clId="{B30D07D9-8BCC-47D1-9208-19899604CE36}" dt="2025-06-21T14:04:35.583" v="12" actId="207"/>
+        <pc:sldMkLst>
+          <pc:docMk/>
+          <pc:sldMk cId="3449492396" sldId="508"/>
+        </pc:sldMkLst>
+        <pc:spChg chg="mod">
+          <ac:chgData name="Castiello de Obeso, Santiago" userId="b4fc0b8e-1f0e-417a-8aad-015961d2398a" providerId="ADAL" clId="{B30D07D9-8BCC-47D1-9208-19899604CE36}" dt="2025-06-21T14:04:35.583" v="12" actId="207"/>
+          <ac:spMkLst>
+            <pc:docMk/>
+            <pc:sldMk cId="3449492396" sldId="508"/>
+            <ac:spMk id="14" creationId="{00000000-0000-0000-0000-000000000000}"/>
+          </ac:spMkLst>
+        </pc:spChg>
+      </pc:sldChg>
+      <pc:sldChg chg="modSp mod">
+        <pc:chgData name="Castiello de Obeso, Santiago" userId="b4fc0b8e-1f0e-417a-8aad-015961d2398a" providerId="ADAL" clId="{B30D07D9-8BCC-47D1-9208-19899604CE36}" dt="2025-06-21T14:07:29.455" v="27" actId="20577"/>
+        <pc:sldMkLst>
+          <pc:docMk/>
+          <pc:sldMk cId="2220826101" sldId="666"/>
+        </pc:sldMkLst>
+        <pc:spChg chg="mod">
+          <ac:chgData name="Castiello de Obeso, Santiago" userId="b4fc0b8e-1f0e-417a-8aad-015961d2398a" providerId="ADAL" clId="{B30D07D9-8BCC-47D1-9208-19899604CE36}" dt="2025-06-21T14:07:29.455" v="27" actId="20577"/>
+          <ac:spMkLst>
+            <pc:docMk/>
+            <pc:sldMk cId="2220826101" sldId="666"/>
+            <ac:spMk id="2" creationId="{B3624542-428F-B715-A340-695D8112C334}"/>
+          </ac:spMkLst>
+        </pc:spChg>
+      </pc:sldChg>
+      <pc:sldChg chg="add setBg">
+        <pc:chgData name="Castiello de Obeso, Santiago" userId="b4fc0b8e-1f0e-417a-8aad-015961d2398a" providerId="ADAL" clId="{B30D07D9-8BCC-47D1-9208-19899604CE36}" dt="2025-06-21T14:04:50.191" v="14"/>
+        <pc:sldMkLst>
+          <pc:docMk/>
+          <pc:sldMk cId="541665082" sldId="667"/>
+        </pc:sldMkLst>
       </pc:sldChg>
     </pc:docChg>
   </pc:docChgLst>
@@ -2451,7 +2497,7 @@
           <a:p>
             <a:fld id="{915EF737-7D08-41F1-8E81-629EB7438791}" type="datetimeFigureOut">
               <a:rPr lang="en-US" smtClean="0"/>
-              <a:t>6/14/2025</a:t>
+              <a:t>6/21/2025</a:t>
             </a:fld>
             <a:endParaRPr lang="en-US"/>
           </a:p>
@@ -2802,6 +2848,114 @@
 </p:notes>
 </file>
 
+<file path=ppt/notesSlides/notesSlide2.xml><?xml version="1.0" encoding="utf-8"?>
+<p:notes xmlns:a="http://schemas.openxmlformats.org/drawingml/2006/main" xmlns:r="http://schemas.openxmlformats.org/officeDocument/2006/relationships" xmlns:p="http://schemas.openxmlformats.org/presentationml/2006/main">
+  <p:cSld>
+    <p:spTree>
+      <p:nvGrpSpPr>
+        <p:cNvPr id="1" name="">
+          <a:extLst>
+            <a:ext uri="{FF2B5EF4-FFF2-40B4-BE49-F238E27FC236}">
+              <a16:creationId xmlns:a16="http://schemas.microsoft.com/office/drawing/2014/main" id="{CF75B1B0-0385-7FF9-0884-E9041E27D836}"/>
+            </a:ext>
+          </a:extLst>
+        </p:cNvPr>
+        <p:cNvGrpSpPr/>
+        <p:nvPr/>
+      </p:nvGrpSpPr>
+      <p:grpSpPr>
+        <a:xfrm>
+          <a:off x="0" y="0"/>
+          <a:ext cx="0" cy="0"/>
+          <a:chOff x="0" y="0"/>
+          <a:chExt cx="0" cy="0"/>
+        </a:xfrm>
+      </p:grpSpPr>
+      <p:sp>
+        <p:nvSpPr>
+          <p:cNvPr id="2" name="Slide Image Placeholder 1">
+            <a:extLst>
+              <a:ext uri="{FF2B5EF4-FFF2-40B4-BE49-F238E27FC236}">
+                <a16:creationId xmlns:a16="http://schemas.microsoft.com/office/drawing/2014/main" id="{E787865B-7343-40A3-7839-CF1D374B4BD9}"/>
+              </a:ext>
+            </a:extLst>
+          </p:cNvPr>
+          <p:cNvSpPr>
+            <a:spLocks noGrp="1" noRot="1" noChangeAspect="1"/>
+          </p:cNvSpPr>
+          <p:nvPr>
+            <p:ph type="sldImg"/>
+          </p:nvPr>
+        </p:nvSpPr>
+        <p:spPr/>
+      </p:sp>
+      <p:sp>
+        <p:nvSpPr>
+          <p:cNvPr id="3" name="Notes Placeholder 2">
+            <a:extLst>
+              <a:ext uri="{FF2B5EF4-FFF2-40B4-BE49-F238E27FC236}">
+                <a16:creationId xmlns:a16="http://schemas.microsoft.com/office/drawing/2014/main" id="{68943D93-3E43-EABD-1921-F7E98F2AD990}"/>
+              </a:ext>
+            </a:extLst>
+          </p:cNvPr>
+          <p:cNvSpPr>
+            <a:spLocks noGrp="1"/>
+          </p:cNvSpPr>
+          <p:nvPr>
+            <p:ph type="body" idx="1"/>
+          </p:nvPr>
+        </p:nvSpPr>
+        <p:spPr/>
+        <p:txBody>
+          <a:bodyPr/>
+          <a:lstStyle/>
+          <a:p>
+            <a:endParaRPr lang="en-GB" dirty="0"/>
+          </a:p>
+        </p:txBody>
+      </p:sp>
+      <p:sp>
+        <p:nvSpPr>
+          <p:cNvPr id="4" name="Slide Number Placeholder 3">
+            <a:extLst>
+              <a:ext uri="{FF2B5EF4-FFF2-40B4-BE49-F238E27FC236}">
+                <a16:creationId xmlns:a16="http://schemas.microsoft.com/office/drawing/2014/main" id="{7B1D5B20-40DC-4441-F640-D7E3B14C0F51}"/>
+              </a:ext>
+            </a:extLst>
+          </p:cNvPr>
+          <p:cNvSpPr>
+            <a:spLocks noGrp="1"/>
+          </p:cNvSpPr>
+          <p:nvPr>
+            <p:ph type="sldNum" sz="quarter" idx="5"/>
+          </p:nvPr>
+        </p:nvSpPr>
+        <p:spPr/>
+        <p:txBody>
+          <a:bodyPr/>
+          <a:lstStyle/>
+          <a:p>
+            <a:fld id="{274C5EEE-9E7C-4248-85D2-BC220CD219F5}" type="slidenum">
+              <a:rPr lang="en-US" smtClean="0"/>
+              <a:t>4</a:t>
+            </a:fld>
+            <a:endParaRPr lang="en-US"/>
+          </a:p>
+        </p:txBody>
+      </p:sp>
+    </p:spTree>
+    <p:extLst>
+      <p:ext uri="{BB962C8B-B14F-4D97-AF65-F5344CB8AC3E}">
+        <p14:creationId xmlns:p14="http://schemas.microsoft.com/office/powerpoint/2010/main" val="3886072868"/>
+      </p:ext>
+    </p:extLst>
+  </p:cSld>
+  <p:clrMapOvr>
+    <a:masterClrMapping/>
+  </p:clrMapOvr>
+</p:notes>
+</file>
+
 <file path=ppt/slideLayouts/slideLayout1.xml><?xml version="1.0" encoding="utf-8"?>
 <p:sldLayout xmlns:a="http://schemas.openxmlformats.org/drawingml/2006/main" xmlns:r="http://schemas.openxmlformats.org/officeDocument/2006/relationships" xmlns:p="http://schemas.openxmlformats.org/presentationml/2006/main" type="title" preserve="1">
   <p:cSld name="Title Slide">
@@ -2931,7 +3085,7 @@
           <a:p>
             <a:fld id="{401857E1-268D-4A19-81B1-DBBE8B3C9127}" type="datetimeFigureOut">
               <a:rPr lang="en-US" smtClean="0"/>
-              <a:t>6/14/2025</a:t>
+              <a:t>6/21/2025</a:t>
             </a:fld>
             <a:endParaRPr lang="en-US"/>
           </a:p>
@@ -3099,7 +3253,7 @@
           <a:p>
             <a:fld id="{401857E1-268D-4A19-81B1-DBBE8B3C9127}" type="datetimeFigureOut">
               <a:rPr lang="en-US" smtClean="0"/>
-              <a:t>6/14/2025</a:t>
+              <a:t>6/21/2025</a:t>
             </a:fld>
             <a:endParaRPr lang="en-US"/>
           </a:p>
@@ -3277,7 +3431,7 @@
           <a:p>
             <a:fld id="{401857E1-268D-4A19-81B1-DBBE8B3C9127}" type="datetimeFigureOut">
               <a:rPr lang="en-US" smtClean="0"/>
-              <a:t>6/14/2025</a:t>
+              <a:t>6/21/2025</a:t>
             </a:fld>
             <a:endParaRPr lang="en-US"/>
           </a:p>
@@ -3445,7 +3599,7 @@
           <a:p>
             <a:fld id="{401857E1-268D-4A19-81B1-DBBE8B3C9127}" type="datetimeFigureOut">
               <a:rPr lang="en-US" smtClean="0"/>
-              <a:t>6/14/2025</a:t>
+              <a:t>6/21/2025</a:t>
             </a:fld>
             <a:endParaRPr lang="en-US"/>
           </a:p>
@@ -3690,7 +3844,7 @@
           <a:p>
             <a:fld id="{401857E1-268D-4A19-81B1-DBBE8B3C9127}" type="datetimeFigureOut">
               <a:rPr lang="en-US" smtClean="0"/>
-              <a:t>6/14/2025</a:t>
+              <a:t>6/21/2025</a:t>
             </a:fld>
             <a:endParaRPr lang="en-US"/>
           </a:p>
@@ -3919,7 +4073,7 @@
           <a:p>
             <a:fld id="{401857E1-268D-4A19-81B1-DBBE8B3C9127}" type="datetimeFigureOut">
               <a:rPr lang="en-US" smtClean="0"/>
-              <a:t>6/14/2025</a:t>
+              <a:t>6/21/2025</a:t>
             </a:fld>
             <a:endParaRPr lang="en-US"/>
           </a:p>
@@ -4283,7 +4437,7 @@
           <a:p>
             <a:fld id="{401857E1-268D-4A19-81B1-DBBE8B3C9127}" type="datetimeFigureOut">
               <a:rPr lang="en-US" smtClean="0"/>
-              <a:t>6/14/2025</a:t>
+              <a:t>6/21/2025</a:t>
             </a:fld>
             <a:endParaRPr lang="en-US"/>
           </a:p>
@@ -4400,7 +4554,7 @@
           <a:p>
             <a:fld id="{401857E1-268D-4A19-81B1-DBBE8B3C9127}" type="datetimeFigureOut">
               <a:rPr lang="en-US" smtClean="0"/>
-              <a:t>6/14/2025</a:t>
+              <a:t>6/21/2025</a:t>
             </a:fld>
             <a:endParaRPr lang="en-US"/>
           </a:p>
@@ -4495,7 +4649,7 @@
           <a:p>
             <a:fld id="{401857E1-268D-4A19-81B1-DBBE8B3C9127}" type="datetimeFigureOut">
               <a:rPr lang="en-US" smtClean="0"/>
-              <a:t>6/14/2025</a:t>
+              <a:t>6/21/2025</a:t>
             </a:fld>
             <a:endParaRPr lang="en-US"/>
           </a:p>
@@ -4770,7 +4924,7 @@
           <a:p>
             <a:fld id="{401857E1-268D-4A19-81B1-DBBE8B3C9127}" type="datetimeFigureOut">
               <a:rPr lang="en-US" smtClean="0"/>
-              <a:t>6/14/2025</a:t>
+              <a:t>6/21/2025</a:t>
             </a:fld>
             <a:endParaRPr lang="en-US"/>
           </a:p>
@@ -5022,7 +5176,7 @@
           <a:p>
             <a:fld id="{401857E1-268D-4A19-81B1-DBBE8B3C9127}" type="datetimeFigureOut">
               <a:rPr lang="en-US" smtClean="0"/>
-              <a:t>6/14/2025</a:t>
+              <a:t>6/21/2025</a:t>
             </a:fld>
             <a:endParaRPr lang="en-US"/>
           </a:p>
@@ -5233,7 +5387,7 @@
           <a:p>
             <a:fld id="{401857E1-268D-4A19-81B1-DBBE8B3C9127}" type="datetimeFigureOut">
               <a:rPr lang="en-US" smtClean="0"/>
-              <a:t>6/14/2025</a:t>
+              <a:t>6/21/2025</a:t>
             </a:fld>
             <a:endParaRPr lang="en-US"/>
           </a:p>
@@ -5780,7 +5934,7 @@
                   <a:schemeClr val="bg1"/>
                 </a:solidFill>
               </a:rPr>
-              <a:t>14/06/2025</a:t>
+              <a:t>21/06/2025</a:t>
             </a:r>
           </a:p>
           <a:p>
@@ -6086,91 +6240,47 @@
               <a:buNone/>
             </a:pPr>
             <a:r>
-              <a:rPr lang="es-MX" sz="3600" dirty="0">
-                <a:solidFill>
-                  <a:schemeClr val="bg1"/>
-                </a:solidFill>
-              </a:rPr>
+              <a:rPr lang="es-MX" sz="3600" dirty="0"/>
               <a:t>4. </a:t>
             </a:r>
             <a:r>
-              <a:rPr lang="es-MX" sz="3600" dirty="0" err="1">
-                <a:solidFill>
-                  <a:schemeClr val="bg1"/>
-                </a:solidFill>
-              </a:rPr>
+              <a:rPr lang="es-MX" sz="3600" dirty="0" err="1"/>
               <a:t>Computer-Based</a:t>
             </a:r>
             <a:r>
-              <a:rPr lang="es-MX" sz="3600" dirty="0">
-                <a:solidFill>
-                  <a:schemeClr val="bg1"/>
-                </a:solidFill>
-              </a:rPr>
+              <a:rPr lang="es-MX" sz="3600" dirty="0"/>
               <a:t> Cognitive </a:t>
             </a:r>
             <a:r>
-              <a:rPr lang="es-MX" sz="3600" dirty="0" err="1">
-                <a:solidFill>
-                  <a:schemeClr val="bg1"/>
-                </a:solidFill>
-              </a:rPr>
+              <a:rPr lang="es-MX" sz="3600" dirty="0" err="1"/>
               <a:t>Remediation</a:t>
             </a:r>
             <a:r>
-              <a:rPr lang="es-MX" sz="3600" dirty="0">
-                <a:solidFill>
-                  <a:schemeClr val="bg1"/>
-                </a:solidFill>
-              </a:rPr>
+              <a:rPr lang="es-MX" sz="3600" dirty="0"/>
               <a:t> </a:t>
             </a:r>
             <a:r>
-              <a:rPr lang="es-MX" sz="3600" dirty="0" err="1">
-                <a:solidFill>
-                  <a:schemeClr val="bg1"/>
-                </a:solidFill>
-              </a:rPr>
+              <a:rPr lang="es-MX" sz="3600" dirty="0" err="1"/>
               <a:t>for</a:t>
             </a:r>
             <a:r>
-              <a:rPr lang="es-MX" sz="3600" dirty="0">
-                <a:solidFill>
-                  <a:schemeClr val="bg1"/>
-                </a:solidFill>
-              </a:rPr>
+              <a:rPr lang="es-MX" sz="3600" dirty="0"/>
               <a:t> </a:t>
             </a:r>
             <a:r>
-              <a:rPr lang="es-MX" sz="3600" dirty="0" err="1">
-                <a:solidFill>
-                  <a:schemeClr val="bg1"/>
-                </a:solidFill>
-              </a:rPr>
+              <a:rPr lang="es-MX" sz="3600" dirty="0" err="1"/>
               <a:t>Schizophrenia</a:t>
             </a:r>
             <a:r>
-              <a:rPr lang="es-MX" sz="3600" dirty="0">
-                <a:solidFill>
-                  <a:schemeClr val="bg1"/>
-                </a:solidFill>
-              </a:rPr>
+              <a:rPr lang="es-MX" sz="3600" dirty="0"/>
               <a:t> (</a:t>
             </a:r>
             <a:r>
-              <a:rPr lang="es-MX" sz="3600" dirty="0" err="1">
-                <a:solidFill>
-                  <a:schemeClr val="bg1"/>
-                </a:solidFill>
-              </a:rPr>
+              <a:rPr lang="es-MX" sz="3600" dirty="0" err="1"/>
               <a:t>CBCRfS</a:t>
             </a:r>
             <a:r>
-              <a:rPr lang="es-MX" sz="3600" dirty="0">
-                <a:solidFill>
-                  <a:schemeClr val="bg1"/>
-                </a:solidFill>
-              </a:rPr>
+              <a:rPr lang="es-MX" sz="3600" dirty="0"/>
               <a:t>)</a:t>
             </a:r>
           </a:p>
@@ -6466,172 +6576,12 @@
               <a:buAutoNum type="arabicPeriod"/>
             </a:pPr>
             <a:r>
-              <a:rPr lang="es-MX" sz="3600" dirty="0" err="1">
-                <a:solidFill>
-                  <a:schemeClr val="bg1"/>
-                </a:solidFill>
-              </a:rPr>
-              <a:t>Check</a:t>
-            </a:r>
-            <a:r>
-              <a:rPr lang="es-MX" sz="3600" dirty="0">
-                <a:solidFill>
-                  <a:schemeClr val="bg1"/>
-                </a:solidFill>
-              </a:rPr>
-              <a:t> </a:t>
-            </a:r>
-            <a:r>
-              <a:rPr lang="es-MX" sz="3600" dirty="0" err="1">
-                <a:solidFill>
-                  <a:schemeClr val="bg1"/>
-                </a:solidFill>
-              </a:rPr>
-              <a:t>CBCRfS</a:t>
-            </a:r>
-            <a:r>
-              <a:rPr lang="es-MX" sz="3600" dirty="0">
-                <a:solidFill>
-                  <a:schemeClr val="bg1"/>
-                </a:solidFill>
-              </a:rPr>
-              <a:t> </a:t>
-            </a:r>
-            <a:r>
-              <a:rPr lang="es-MX" sz="3600" dirty="0" err="1">
-                <a:solidFill>
-                  <a:schemeClr val="bg1"/>
-                </a:solidFill>
-              </a:rPr>
-              <a:t>review</a:t>
-            </a:r>
-            <a:r>
-              <a:rPr lang="es-MX" sz="3600" dirty="0">
-                <a:solidFill>
-                  <a:schemeClr val="bg1"/>
-                </a:solidFill>
-              </a:rPr>
-              <a:t> and </a:t>
-            </a:r>
-            <a:r>
-              <a:rPr lang="es-MX" sz="3600" dirty="0" err="1">
-                <a:solidFill>
-                  <a:schemeClr val="bg1"/>
-                </a:solidFill>
-              </a:rPr>
-              <a:t>select</a:t>
-            </a:r>
-            <a:r>
-              <a:rPr lang="es-MX" sz="3600" dirty="0">
-                <a:solidFill>
-                  <a:schemeClr val="bg1"/>
-                </a:solidFill>
-              </a:rPr>
-              <a:t> </a:t>
-            </a:r>
-            <a:r>
-              <a:rPr lang="es-MX" sz="3600" dirty="0" err="1">
-                <a:solidFill>
-                  <a:schemeClr val="bg1"/>
-                </a:solidFill>
-              </a:rPr>
-              <a:t>RCTs</a:t>
-            </a:r>
-            <a:endParaRPr lang="es-MX" sz="3600" dirty="0">
-              <a:solidFill>
-                <a:schemeClr val="bg1"/>
-              </a:solidFill>
-            </a:endParaRPr>
-          </a:p>
-          <a:p>
-            <a:pPr marL="1200150" lvl="1" indent="-742950" algn="l">
-              <a:buAutoNum type="arabicPeriod"/>
-            </a:pPr>
-            <a:r>
-              <a:rPr lang="es-MX" sz="3200" dirty="0">
-                <a:solidFill>
-                  <a:schemeClr val="bg1"/>
-                </a:solidFill>
-              </a:rPr>
-              <a:t>Choi 2018</a:t>
-            </a:r>
-          </a:p>
-          <a:p>
-            <a:pPr marL="1200150" lvl="1" indent="-742950" algn="l">
-              <a:buAutoNum type="arabicPeriod"/>
-            </a:pPr>
-            <a:r>
-              <a:rPr lang="es-MX" sz="3200" dirty="0">
-                <a:solidFill>
-                  <a:schemeClr val="bg1"/>
-                </a:solidFill>
-              </a:rPr>
-              <a:t>Harris 2007</a:t>
-            </a:r>
-          </a:p>
-          <a:p>
-            <a:pPr marL="1200150" lvl="1" indent="-742950" algn="l">
-              <a:buAutoNum type="arabicPeriod"/>
-            </a:pPr>
-            <a:r>
-              <a:rPr lang="es-MX" sz="3200" dirty="0" err="1">
-                <a:solidFill>
-                  <a:schemeClr val="bg1"/>
-                </a:solidFill>
-              </a:rPr>
-              <a:t>Fernandez</a:t>
-            </a:r>
-            <a:r>
-              <a:rPr lang="es-MX" sz="3200">
-                <a:solidFill>
-                  <a:schemeClr val="bg1"/>
-                </a:solidFill>
-              </a:rPr>
-              <a:t> 2013</a:t>
-            </a:r>
-            <a:endParaRPr lang="es-MX" sz="3200" dirty="0">
-              <a:solidFill>
-                <a:schemeClr val="bg1"/>
-              </a:solidFill>
-            </a:endParaRPr>
-          </a:p>
-          <a:p>
-            <a:pPr marL="1200150" lvl="1" indent="-742950" algn="l">
-              <a:buAutoNum type="arabicPeriod"/>
-            </a:pPr>
-            <a:r>
-              <a:rPr lang="es-MX" sz="3200" dirty="0" err="1">
-                <a:solidFill>
-                  <a:schemeClr val="bg1"/>
-                </a:solidFill>
-              </a:rPr>
-              <a:t>Lindenmayer</a:t>
-            </a:r>
-            <a:r>
-              <a:rPr lang="es-MX" sz="3200" dirty="0">
-                <a:solidFill>
-                  <a:schemeClr val="bg1"/>
-                </a:solidFill>
-              </a:rPr>
-              <a:t> 2012</a:t>
-            </a:r>
-            <a:endParaRPr lang="nl-NL" sz="3600" dirty="0">
-              <a:solidFill>
-                <a:schemeClr val="bg1"/>
-              </a:solidFill>
-            </a:endParaRPr>
-          </a:p>
-          <a:p>
-            <a:pPr marL="742950" indent="-742950" algn="l">
-              <a:buAutoNum type="arabicPeriod"/>
-            </a:pPr>
-            <a:r>
               <a:rPr lang="nl-NL" sz="3600" dirty="0">
                 <a:solidFill>
                   <a:schemeClr val="bg1"/>
                 </a:solidFill>
               </a:rPr>
-              <a:t>Fonagy, et al. (2015) - World Psych</a:t>
+              <a:t>Freeman, et al. (2022) - The Lancet Psychiatry</a:t>
             </a:r>
           </a:p>
           <a:p>
@@ -6639,46 +6589,30 @@
               <a:buAutoNum type="arabicPeriod"/>
             </a:pPr>
             <a:r>
-              <a:rPr lang="es-MX" sz="3600" dirty="0" err="1">
+              <a:rPr lang="fr-FR" sz="3600" dirty="0" err="1">
                 <a:solidFill>
                   <a:schemeClr val="bg1"/>
                 </a:solidFill>
               </a:rPr>
-              <a:t>Leuzinger-Bohleber</a:t>
-            </a:r>
-            <a:r>
-              <a:rPr lang="es-MX" sz="3600" dirty="0">
+              <a:t>Zipfel</a:t>
+            </a:r>
+            <a:r>
+              <a:rPr lang="fr-FR" sz="3600" dirty="0">
                 <a:solidFill>
                   <a:schemeClr val="bg1"/>
                 </a:solidFill>
               </a:rPr>
-              <a:t>, et al. (2019) - Can J </a:t>
-            </a:r>
-            <a:r>
-              <a:rPr lang="es-MX" sz="3600" dirty="0" err="1">
+              <a:t>, et al. (2013) - </a:t>
+            </a:r>
+            <a:r>
+              <a:rPr lang="fr-FR" sz="3600">
                 <a:solidFill>
                   <a:schemeClr val="bg1"/>
                 </a:solidFill>
               </a:rPr>
-              <a:t>of</a:t>
-            </a:r>
-            <a:r>
-              <a:rPr lang="es-MX" sz="3600" dirty="0">
-                <a:solidFill>
-                  <a:schemeClr val="bg1"/>
-                </a:solidFill>
-              </a:rPr>
-              <a:t> </a:t>
-            </a:r>
-            <a:r>
-              <a:rPr lang="es-MX" sz="3600" dirty="0" err="1">
-                <a:solidFill>
-                  <a:schemeClr val="bg1"/>
-                </a:solidFill>
-              </a:rPr>
-              <a:t>Psych</a:t>
-            </a:r>
-            <a:endParaRPr lang="es-MX" sz="3600" dirty="0">
+              <a:t>The Lancet</a:t>
+            </a:r>
+            <a:endParaRPr lang="nl-NL" sz="3600" dirty="0">
               <a:solidFill>
                 <a:schemeClr val="bg1"/>
               </a:solidFill>
@@ -6700,6 +6634,472 @@
 </file>
 
 <file path=ppt/slides/slide4.xml><?xml version="1.0" encoding="utf-8"?>
+<p:sld xmlns:a="http://schemas.openxmlformats.org/drawingml/2006/main" xmlns:r="http://schemas.openxmlformats.org/officeDocument/2006/relationships" xmlns:p="http://schemas.openxmlformats.org/presentationml/2006/main">
+  <p:cSld>
+    <p:bg>
+      <p:bgPr>
+        <a:solidFill>
+          <a:schemeClr val="tx1"/>
+        </a:solidFill>
+        <a:effectLst/>
+      </p:bgPr>
+    </p:bg>
+    <p:spTree>
+      <p:nvGrpSpPr>
+        <p:cNvPr id="1" name="">
+          <a:extLst>
+            <a:ext uri="{FF2B5EF4-FFF2-40B4-BE49-F238E27FC236}">
+              <a16:creationId xmlns:a16="http://schemas.microsoft.com/office/drawing/2014/main" id="{7F96343C-68C7-C02A-4172-151F36FA5560}"/>
+            </a:ext>
+          </a:extLst>
+        </p:cNvPr>
+        <p:cNvGrpSpPr/>
+        <p:nvPr/>
+      </p:nvGrpSpPr>
+      <p:grpSpPr>
+        <a:xfrm>
+          <a:off x="0" y="0"/>
+          <a:ext cx="0" cy="0"/>
+          <a:chOff x="0" y="0"/>
+          <a:chExt cx="0" cy="0"/>
+        </a:xfrm>
+      </p:grpSpPr>
+      <p:sp>
+        <p:nvSpPr>
+          <p:cNvPr id="2" name="Content Placeholder 13">
+            <a:extLst>
+              <a:ext uri="{FF2B5EF4-FFF2-40B4-BE49-F238E27FC236}">
+                <a16:creationId xmlns:a16="http://schemas.microsoft.com/office/drawing/2014/main" id="{87C24E05-2767-220F-AEBA-57F8CC1E7C7A}"/>
+              </a:ext>
+            </a:extLst>
+          </p:cNvPr>
+          <p:cNvSpPr txBox="1">
+            <a:spLocks/>
+          </p:cNvSpPr>
+          <p:nvPr/>
+        </p:nvSpPr>
+        <p:spPr>
+          <a:xfrm>
+            <a:off x="1334947" y="1494628"/>
+            <a:ext cx="9210024" cy="4445678"/>
+          </a:xfrm>
+          <a:prstGeom prst="rect">
+            <a:avLst/>
+          </a:prstGeom>
+        </p:spPr>
+        <p:txBody>
+          <a:bodyPr vert="horz" lIns="91440" tIns="45720" rIns="91440" bIns="45720" rtlCol="0">
+            <a:noAutofit/>
+          </a:bodyPr>
+          <a:lstStyle>
+            <a:lvl1pPr marL="0" indent="0" algn="ctr" defTabSz="914400" rtl="0" eaLnBrk="1" latinLnBrk="0" hangingPunct="1">
+              <a:lnSpc>
+                <a:spcPct val="90000"/>
+              </a:lnSpc>
+              <a:spcBef>
+                <a:spcPts val="1000"/>
+              </a:spcBef>
+              <a:buFont typeface="Arial" panose="020B0604020202020204" pitchFamily="34" charset="0"/>
+              <a:buNone/>
+              <a:defRPr sz="2400" kern="1200">
+                <a:solidFill>
+                  <a:schemeClr val="tx1"/>
+                </a:solidFill>
+                <a:latin typeface="+mn-lt"/>
+                <a:ea typeface="+mn-ea"/>
+                <a:cs typeface="+mn-cs"/>
+              </a:defRPr>
+            </a:lvl1pPr>
+            <a:lvl2pPr marL="457200" indent="0" algn="ctr" defTabSz="914400" rtl="0" eaLnBrk="1" latinLnBrk="0" hangingPunct="1">
+              <a:lnSpc>
+                <a:spcPct val="90000"/>
+              </a:lnSpc>
+              <a:spcBef>
+                <a:spcPts val="500"/>
+              </a:spcBef>
+              <a:buFont typeface="Arial" panose="020B0604020202020204" pitchFamily="34" charset="0"/>
+              <a:buNone/>
+              <a:defRPr sz="2000" kern="1200">
+                <a:solidFill>
+                  <a:schemeClr val="tx1"/>
+                </a:solidFill>
+                <a:latin typeface="+mn-lt"/>
+                <a:ea typeface="+mn-ea"/>
+                <a:cs typeface="+mn-cs"/>
+              </a:defRPr>
+            </a:lvl2pPr>
+            <a:lvl3pPr marL="914400" indent="0" algn="ctr" defTabSz="914400" rtl="0" eaLnBrk="1" latinLnBrk="0" hangingPunct="1">
+              <a:lnSpc>
+                <a:spcPct val="90000"/>
+              </a:lnSpc>
+              <a:spcBef>
+                <a:spcPts val="500"/>
+              </a:spcBef>
+              <a:buFont typeface="Arial" panose="020B0604020202020204" pitchFamily="34" charset="0"/>
+              <a:buNone/>
+              <a:defRPr sz="1800" kern="1200">
+                <a:solidFill>
+                  <a:schemeClr val="tx1"/>
+                </a:solidFill>
+                <a:latin typeface="+mn-lt"/>
+                <a:ea typeface="+mn-ea"/>
+                <a:cs typeface="+mn-cs"/>
+              </a:defRPr>
+            </a:lvl3pPr>
+            <a:lvl4pPr marL="1371600" indent="0" algn="ctr" defTabSz="914400" rtl="0" eaLnBrk="1" latinLnBrk="0" hangingPunct="1">
+              <a:lnSpc>
+                <a:spcPct val="90000"/>
+              </a:lnSpc>
+              <a:spcBef>
+                <a:spcPts val="500"/>
+              </a:spcBef>
+              <a:buFont typeface="Arial" panose="020B0604020202020204" pitchFamily="34" charset="0"/>
+              <a:buNone/>
+              <a:defRPr sz="1600" kern="1200">
+                <a:solidFill>
+                  <a:schemeClr val="tx1"/>
+                </a:solidFill>
+                <a:latin typeface="+mn-lt"/>
+                <a:ea typeface="+mn-ea"/>
+                <a:cs typeface="+mn-cs"/>
+              </a:defRPr>
+            </a:lvl4pPr>
+            <a:lvl5pPr marL="1828800" indent="0" algn="ctr" defTabSz="914400" rtl="0" eaLnBrk="1" latinLnBrk="0" hangingPunct="1">
+              <a:lnSpc>
+                <a:spcPct val="90000"/>
+              </a:lnSpc>
+              <a:spcBef>
+                <a:spcPts val="500"/>
+              </a:spcBef>
+              <a:buFont typeface="Arial" panose="020B0604020202020204" pitchFamily="34" charset="0"/>
+              <a:buNone/>
+              <a:defRPr sz="1600" kern="1200">
+                <a:solidFill>
+                  <a:schemeClr val="tx1"/>
+                </a:solidFill>
+                <a:latin typeface="+mn-lt"/>
+                <a:ea typeface="+mn-ea"/>
+                <a:cs typeface="+mn-cs"/>
+              </a:defRPr>
+            </a:lvl5pPr>
+            <a:lvl6pPr marL="2286000" indent="0" algn="ctr" defTabSz="914400" rtl="0" eaLnBrk="1" latinLnBrk="0" hangingPunct="1">
+              <a:lnSpc>
+                <a:spcPct val="90000"/>
+              </a:lnSpc>
+              <a:spcBef>
+                <a:spcPts val="500"/>
+              </a:spcBef>
+              <a:buFont typeface="Arial" panose="020B0604020202020204" pitchFamily="34" charset="0"/>
+              <a:buNone/>
+              <a:defRPr sz="1600" kern="1200">
+                <a:solidFill>
+                  <a:schemeClr val="tx1"/>
+                </a:solidFill>
+                <a:latin typeface="+mn-lt"/>
+                <a:ea typeface="+mn-ea"/>
+                <a:cs typeface="+mn-cs"/>
+              </a:defRPr>
+            </a:lvl6pPr>
+            <a:lvl7pPr marL="2743200" indent="0" algn="ctr" defTabSz="914400" rtl="0" eaLnBrk="1" latinLnBrk="0" hangingPunct="1">
+              <a:lnSpc>
+                <a:spcPct val="90000"/>
+              </a:lnSpc>
+              <a:spcBef>
+                <a:spcPts val="500"/>
+              </a:spcBef>
+              <a:buFont typeface="Arial" panose="020B0604020202020204" pitchFamily="34" charset="0"/>
+              <a:buNone/>
+              <a:defRPr sz="1600" kern="1200">
+                <a:solidFill>
+                  <a:schemeClr val="tx1"/>
+                </a:solidFill>
+                <a:latin typeface="+mn-lt"/>
+                <a:ea typeface="+mn-ea"/>
+                <a:cs typeface="+mn-cs"/>
+              </a:defRPr>
+            </a:lvl7pPr>
+            <a:lvl8pPr marL="3200400" indent="0" algn="ctr" defTabSz="914400" rtl="0" eaLnBrk="1" latinLnBrk="0" hangingPunct="1">
+              <a:lnSpc>
+                <a:spcPct val="90000"/>
+              </a:lnSpc>
+              <a:spcBef>
+                <a:spcPts val="500"/>
+              </a:spcBef>
+              <a:buFont typeface="Arial" panose="020B0604020202020204" pitchFamily="34" charset="0"/>
+              <a:buNone/>
+              <a:defRPr sz="1600" kern="1200">
+                <a:solidFill>
+                  <a:schemeClr val="tx1"/>
+                </a:solidFill>
+                <a:latin typeface="+mn-lt"/>
+                <a:ea typeface="+mn-ea"/>
+                <a:cs typeface="+mn-cs"/>
+              </a:defRPr>
+            </a:lvl8pPr>
+            <a:lvl9pPr marL="3657600" indent="0" algn="ctr" defTabSz="914400" rtl="0" eaLnBrk="1" latinLnBrk="0" hangingPunct="1">
+              <a:lnSpc>
+                <a:spcPct val="90000"/>
+              </a:lnSpc>
+              <a:spcBef>
+                <a:spcPts val="500"/>
+              </a:spcBef>
+              <a:buFont typeface="Arial" panose="020B0604020202020204" pitchFamily="34" charset="0"/>
+              <a:buNone/>
+              <a:defRPr sz="1600" kern="1200">
+                <a:solidFill>
+                  <a:schemeClr val="tx1"/>
+                </a:solidFill>
+                <a:latin typeface="+mn-lt"/>
+                <a:ea typeface="+mn-ea"/>
+                <a:cs typeface="+mn-cs"/>
+              </a:defRPr>
+            </a:lvl9pPr>
+          </a:lstStyle>
+          <a:p>
+            <a:pPr algn="l"/>
+            <a:r>
+              <a:rPr lang="nl-NL" sz="3600" dirty="0">
+                <a:solidFill>
+                  <a:schemeClr val="bg1"/>
+                </a:solidFill>
+              </a:rPr>
+              <a:t>Data Extraction Form Empty</a:t>
+            </a:r>
+          </a:p>
+          <a:p>
+            <a:pPr marL="742950" indent="-742950" algn="l">
+              <a:buAutoNum type="arabicPeriod"/>
+            </a:pPr>
+            <a:r>
+              <a:rPr lang="es-MX" sz="3600" dirty="0" err="1">
+                <a:solidFill>
+                  <a:schemeClr val="bg1"/>
+                </a:solidFill>
+              </a:rPr>
+              <a:t>Check</a:t>
+            </a:r>
+            <a:r>
+              <a:rPr lang="es-MX" sz="3600" dirty="0">
+                <a:solidFill>
+                  <a:schemeClr val="bg1"/>
+                </a:solidFill>
+              </a:rPr>
+              <a:t> </a:t>
+            </a:r>
+            <a:r>
+              <a:rPr lang="es-MX" sz="3600" dirty="0" err="1">
+                <a:solidFill>
+                  <a:schemeClr val="bg1"/>
+                </a:solidFill>
+              </a:rPr>
+              <a:t>CBCRfS</a:t>
+            </a:r>
+            <a:r>
+              <a:rPr lang="es-MX" sz="3600" dirty="0">
+                <a:solidFill>
+                  <a:schemeClr val="bg1"/>
+                </a:solidFill>
+              </a:rPr>
+              <a:t> </a:t>
+            </a:r>
+            <a:r>
+              <a:rPr lang="es-MX" sz="3600" dirty="0" err="1">
+                <a:solidFill>
+                  <a:schemeClr val="bg1"/>
+                </a:solidFill>
+              </a:rPr>
+              <a:t>review</a:t>
+            </a:r>
+            <a:r>
+              <a:rPr lang="es-MX" sz="3600" dirty="0">
+                <a:solidFill>
+                  <a:schemeClr val="bg1"/>
+                </a:solidFill>
+              </a:rPr>
+              <a:t> and </a:t>
+            </a:r>
+            <a:r>
+              <a:rPr lang="es-MX" sz="3600" dirty="0" err="1">
+                <a:solidFill>
+                  <a:schemeClr val="bg1"/>
+                </a:solidFill>
+              </a:rPr>
+              <a:t>select</a:t>
+            </a:r>
+            <a:r>
+              <a:rPr lang="es-MX" sz="3600" dirty="0">
+                <a:solidFill>
+                  <a:schemeClr val="bg1"/>
+                </a:solidFill>
+              </a:rPr>
+              <a:t> </a:t>
+            </a:r>
+            <a:r>
+              <a:rPr lang="es-MX" sz="3600" dirty="0" err="1">
+                <a:solidFill>
+                  <a:schemeClr val="bg1"/>
+                </a:solidFill>
+              </a:rPr>
+              <a:t>RCTs</a:t>
+            </a:r>
+            <a:endParaRPr lang="es-MX" sz="3600" dirty="0">
+              <a:solidFill>
+                <a:schemeClr val="bg1"/>
+              </a:solidFill>
+            </a:endParaRPr>
+          </a:p>
+          <a:p>
+            <a:pPr marL="1200150" lvl="1" indent="-742950" algn="l">
+              <a:buAutoNum type="arabicPeriod"/>
+            </a:pPr>
+            <a:r>
+              <a:rPr lang="es-MX" sz="3200" dirty="0">
+                <a:solidFill>
+                  <a:schemeClr val="bg1"/>
+                </a:solidFill>
+              </a:rPr>
+              <a:t>Choi 2018</a:t>
+            </a:r>
+          </a:p>
+          <a:p>
+            <a:pPr marL="1200150" lvl="1" indent="-742950" algn="l">
+              <a:buAutoNum type="arabicPeriod"/>
+            </a:pPr>
+            <a:r>
+              <a:rPr lang="es-MX" sz="3200" dirty="0">
+                <a:solidFill>
+                  <a:schemeClr val="bg1"/>
+                </a:solidFill>
+              </a:rPr>
+              <a:t>Harris 2007</a:t>
+            </a:r>
+          </a:p>
+          <a:p>
+            <a:pPr marL="1200150" lvl="1" indent="-742950" algn="l">
+              <a:buAutoNum type="arabicPeriod"/>
+            </a:pPr>
+            <a:r>
+              <a:rPr lang="es-MX" sz="3200" dirty="0" err="1">
+                <a:solidFill>
+                  <a:schemeClr val="bg1"/>
+                </a:solidFill>
+              </a:rPr>
+              <a:t>Fernandez</a:t>
+            </a:r>
+            <a:r>
+              <a:rPr lang="es-MX" sz="3200" dirty="0">
+                <a:solidFill>
+                  <a:schemeClr val="bg1"/>
+                </a:solidFill>
+              </a:rPr>
+              <a:t> 2013</a:t>
+            </a:r>
+          </a:p>
+          <a:p>
+            <a:pPr marL="1200150" lvl="1" indent="-742950" algn="l">
+              <a:buAutoNum type="arabicPeriod"/>
+            </a:pPr>
+            <a:r>
+              <a:rPr lang="es-MX" sz="3200" dirty="0" err="1">
+                <a:solidFill>
+                  <a:schemeClr val="bg1"/>
+                </a:solidFill>
+              </a:rPr>
+              <a:t>Lindenmayer</a:t>
+            </a:r>
+            <a:r>
+              <a:rPr lang="es-MX" sz="3200" dirty="0">
+                <a:solidFill>
+                  <a:schemeClr val="bg1"/>
+                </a:solidFill>
+              </a:rPr>
+              <a:t> 2012</a:t>
+            </a:r>
+            <a:endParaRPr lang="nl-NL" sz="3600" dirty="0">
+              <a:solidFill>
+                <a:schemeClr val="bg1"/>
+              </a:solidFill>
+            </a:endParaRPr>
+          </a:p>
+          <a:p>
+            <a:pPr marL="742950" indent="-742950" algn="l">
+              <a:buAutoNum type="arabicPeriod"/>
+            </a:pPr>
+            <a:r>
+              <a:rPr lang="nl-NL" sz="3600" dirty="0">
+                <a:solidFill>
+                  <a:schemeClr val="bg1"/>
+                </a:solidFill>
+              </a:rPr>
+              <a:t>Fonagy, et al. (2015) - World Psych</a:t>
+            </a:r>
+          </a:p>
+          <a:p>
+            <a:pPr marL="742950" indent="-742950" algn="l">
+              <a:buAutoNum type="arabicPeriod"/>
+            </a:pPr>
+            <a:r>
+              <a:rPr lang="es-MX" sz="3600" dirty="0" err="1">
+                <a:solidFill>
+                  <a:schemeClr val="bg1"/>
+                </a:solidFill>
+              </a:rPr>
+              <a:t>Leuzinger-Bohleber</a:t>
+            </a:r>
+            <a:r>
+              <a:rPr lang="es-MX" sz="3600" dirty="0">
+                <a:solidFill>
+                  <a:schemeClr val="bg1"/>
+                </a:solidFill>
+              </a:rPr>
+              <a:t>, et al. (2019) - Can J </a:t>
+            </a:r>
+            <a:r>
+              <a:rPr lang="es-MX" sz="3600" dirty="0" err="1">
+                <a:solidFill>
+                  <a:schemeClr val="bg1"/>
+                </a:solidFill>
+              </a:rPr>
+              <a:t>of</a:t>
+            </a:r>
+            <a:r>
+              <a:rPr lang="es-MX" sz="3600" dirty="0">
+                <a:solidFill>
+                  <a:schemeClr val="bg1"/>
+                </a:solidFill>
+              </a:rPr>
+              <a:t> </a:t>
+            </a:r>
+            <a:r>
+              <a:rPr lang="es-MX" sz="3600" dirty="0" err="1">
+                <a:solidFill>
+                  <a:schemeClr val="bg1"/>
+                </a:solidFill>
+              </a:rPr>
+              <a:t>Psych</a:t>
+            </a:r>
+            <a:endParaRPr lang="es-MX" sz="3600" dirty="0">
+              <a:solidFill>
+                <a:schemeClr val="bg1"/>
+              </a:solidFill>
+            </a:endParaRPr>
+          </a:p>
+        </p:txBody>
+      </p:sp>
+    </p:spTree>
+    <p:extLst>
+      <p:ext uri="{BB962C8B-B14F-4D97-AF65-F5344CB8AC3E}">
+        <p14:creationId xmlns:p14="http://schemas.microsoft.com/office/powerpoint/2010/main" val="541665082"/>
+      </p:ext>
+    </p:extLst>
+  </p:cSld>
+  <p:clrMapOvr>
+    <a:masterClrMapping/>
+  </p:clrMapOvr>
+</p:sld>
+</file>
+
+<file path=ppt/slides/slide5.xml><?xml version="1.0" encoding="utf-8"?>
 <p:sld xmlns:a="http://schemas.openxmlformats.org/drawingml/2006/main" xmlns:r="http://schemas.openxmlformats.org/officeDocument/2006/relationships" xmlns:p="http://schemas.openxmlformats.org/presentationml/2006/main">
   <p:cSld>
     <p:bg>
